--- a/figures/XANES_Spectra_Pie.pptx
+++ b/figures/XANES_Spectra_Pie.pptx
@@ -259,7 +259,7 @@
           <a:p>
             <a:fld id="{31A7D442-12A5-2043-8F29-7F255976025F}" type="datetimeFigureOut">
               <a:rPr lang="en-US" smtClean="0"/>
-              <a:t>11/30/23</a:t>
+              <a:t>2/2/24</a:t>
             </a:fld>
             <a:endParaRPr lang="en-US"/>
           </a:p>
@@ -457,7 +457,7 @@
           <a:p>
             <a:fld id="{31A7D442-12A5-2043-8F29-7F255976025F}" type="datetimeFigureOut">
               <a:rPr lang="en-US" smtClean="0"/>
-              <a:t>11/30/23</a:t>
+              <a:t>2/2/24</a:t>
             </a:fld>
             <a:endParaRPr lang="en-US"/>
           </a:p>
@@ -665,7 +665,7 @@
           <a:p>
             <a:fld id="{31A7D442-12A5-2043-8F29-7F255976025F}" type="datetimeFigureOut">
               <a:rPr lang="en-US" smtClean="0"/>
-              <a:t>11/30/23</a:t>
+              <a:t>2/2/24</a:t>
             </a:fld>
             <a:endParaRPr lang="en-US"/>
           </a:p>
@@ -863,7 +863,7 @@
           <a:p>
             <a:fld id="{31A7D442-12A5-2043-8F29-7F255976025F}" type="datetimeFigureOut">
               <a:rPr lang="en-US" smtClean="0"/>
-              <a:t>11/30/23</a:t>
+              <a:t>2/2/24</a:t>
             </a:fld>
             <a:endParaRPr lang="en-US"/>
           </a:p>
@@ -1138,7 +1138,7 @@
           <a:p>
             <a:fld id="{31A7D442-12A5-2043-8F29-7F255976025F}" type="datetimeFigureOut">
               <a:rPr lang="en-US" smtClean="0"/>
-              <a:t>11/30/23</a:t>
+              <a:t>2/2/24</a:t>
             </a:fld>
             <a:endParaRPr lang="en-US"/>
           </a:p>
@@ -1403,7 +1403,7 @@
           <a:p>
             <a:fld id="{31A7D442-12A5-2043-8F29-7F255976025F}" type="datetimeFigureOut">
               <a:rPr lang="en-US" smtClean="0"/>
-              <a:t>11/30/23</a:t>
+              <a:t>2/2/24</a:t>
             </a:fld>
             <a:endParaRPr lang="en-US"/>
           </a:p>
@@ -1815,7 +1815,7 @@
           <a:p>
             <a:fld id="{31A7D442-12A5-2043-8F29-7F255976025F}" type="datetimeFigureOut">
               <a:rPr lang="en-US" smtClean="0"/>
-              <a:t>11/30/23</a:t>
+              <a:t>2/2/24</a:t>
             </a:fld>
             <a:endParaRPr lang="en-US"/>
           </a:p>
@@ -1956,7 +1956,7 @@
           <a:p>
             <a:fld id="{31A7D442-12A5-2043-8F29-7F255976025F}" type="datetimeFigureOut">
               <a:rPr lang="en-US" smtClean="0"/>
-              <a:t>11/30/23</a:t>
+              <a:t>2/2/24</a:t>
             </a:fld>
             <a:endParaRPr lang="en-US"/>
           </a:p>
@@ -2069,7 +2069,7 @@
           <a:p>
             <a:fld id="{31A7D442-12A5-2043-8F29-7F255976025F}" type="datetimeFigureOut">
               <a:rPr lang="en-US" smtClean="0"/>
-              <a:t>11/30/23</a:t>
+              <a:t>2/2/24</a:t>
             </a:fld>
             <a:endParaRPr lang="en-US"/>
           </a:p>
@@ -2380,7 +2380,7 @@
           <a:p>
             <a:fld id="{31A7D442-12A5-2043-8F29-7F255976025F}" type="datetimeFigureOut">
               <a:rPr lang="en-US" smtClean="0"/>
-              <a:t>11/30/23</a:t>
+              <a:t>2/2/24</a:t>
             </a:fld>
             <a:endParaRPr lang="en-US"/>
           </a:p>
@@ -2668,7 +2668,7 @@
           <a:p>
             <a:fld id="{31A7D442-12A5-2043-8F29-7F255976025F}" type="datetimeFigureOut">
               <a:rPr lang="en-US" smtClean="0"/>
-              <a:t>11/30/23</a:t>
+              <a:t>2/2/24</a:t>
             </a:fld>
             <a:endParaRPr lang="en-US"/>
           </a:p>
@@ -2909,7 +2909,7 @@
           <a:p>
             <a:fld id="{31A7D442-12A5-2043-8F29-7F255976025F}" type="datetimeFigureOut">
               <a:rPr lang="en-US" smtClean="0"/>
-              <a:t>11/30/23</a:t>
+              <a:t>2/2/24</a:t>
             </a:fld>
             <a:endParaRPr lang="en-US"/>
           </a:p>
@@ -3348,7 +3348,7 @@
         </p:blipFill>
         <p:spPr>
           <a:xfrm>
-            <a:off x="341243" y="367748"/>
+            <a:off x="739825" y="367748"/>
             <a:ext cx="2743200" cy="6400800"/>
           </a:xfrm>
           <a:prstGeom prst="rect">
@@ -3378,7 +3378,7 @@
         </p:blipFill>
         <p:spPr>
           <a:xfrm>
-            <a:off x="3084443" y="367748"/>
+            <a:off x="3483025" y="367748"/>
             <a:ext cx="2743200" cy="6400800"/>
           </a:xfrm>
           <a:prstGeom prst="rect">
@@ -3408,7 +3408,7 @@
         </p:blipFill>
         <p:spPr>
           <a:xfrm>
-            <a:off x="1971261" y="4949686"/>
+            <a:off x="2369843" y="4949686"/>
             <a:ext cx="914400" cy="914400"/>
           </a:xfrm>
           <a:prstGeom prst="rect">
@@ -3438,7 +3438,7 @@
         </p:blipFill>
         <p:spPr>
           <a:xfrm>
-            <a:off x="1971261" y="3554894"/>
+            <a:off x="2369843" y="3554894"/>
             <a:ext cx="914400" cy="914400"/>
           </a:xfrm>
           <a:prstGeom prst="rect">
@@ -3468,7 +3468,7 @@
         </p:blipFill>
         <p:spPr>
           <a:xfrm>
-            <a:off x="1971261" y="2160103"/>
+            <a:off x="2369843" y="2160103"/>
             <a:ext cx="914400" cy="914400"/>
           </a:xfrm>
           <a:prstGeom prst="rect">
@@ -3498,7 +3498,7 @@
         </p:blipFill>
         <p:spPr>
           <a:xfrm>
-            <a:off x="4724402" y="4949685"/>
+            <a:off x="5122984" y="4949685"/>
             <a:ext cx="914400" cy="914400"/>
           </a:xfrm>
           <a:prstGeom prst="rect">
@@ -3528,7 +3528,7 @@
         </p:blipFill>
         <p:spPr>
           <a:xfrm>
-            <a:off x="4724402" y="2160103"/>
+            <a:off x="5122984" y="2160103"/>
             <a:ext cx="914400" cy="914400"/>
           </a:xfrm>
           <a:prstGeom prst="rect">
@@ -3538,162 +3538,6 @@
       </p:pic>
       <p:sp>
         <p:nvSpPr>
-          <p:cNvPr id="31" name="TextBox 30">
-            <a:extLst>
-              <a:ext uri="{FF2B5EF4-FFF2-40B4-BE49-F238E27FC236}">
-                <a16:creationId xmlns:a16="http://schemas.microsoft.com/office/drawing/2014/main" id="{18871C8F-A243-A33D-4F05-322383DCEE1D}"/>
-              </a:ext>
-            </a:extLst>
-          </p:cNvPr>
-          <p:cNvSpPr txBox="1"/>
-          <p:nvPr/>
-        </p:nvSpPr>
-        <p:spPr>
-          <a:xfrm rot="16200000">
-            <a:off x="-373574" y="5372921"/>
-            <a:ext cx="1083951" cy="338554"/>
-          </a:xfrm>
-          <a:prstGeom prst="rect">
-            <a:avLst/>
-          </a:prstGeom>
-          <a:noFill/>
-        </p:spPr>
-        <p:txBody>
-          <a:bodyPr wrap="none" rtlCol="0">
-            <a:spAutoFit/>
-          </a:bodyPr>
-          <a:lstStyle/>
-          <a:p>
-            <a:pPr algn="ctr"/>
-            <a:r>
-              <a:rPr lang="en-US" sz="1600" dirty="0">
-                <a:latin typeface="Arial" panose="020B0604020202020204" pitchFamily="34" charset="0"/>
-                <a:cs typeface="Arial" panose="020B0604020202020204" pitchFamily="34" charset="0"/>
-              </a:rPr>
-              <a:t>Unburned</a:t>
-            </a:r>
-          </a:p>
-        </p:txBody>
-      </p:sp>
-      <p:sp>
-        <p:nvSpPr>
-          <p:cNvPr id="32" name="TextBox 31">
-            <a:extLst>
-              <a:ext uri="{FF2B5EF4-FFF2-40B4-BE49-F238E27FC236}">
-                <a16:creationId xmlns:a16="http://schemas.microsoft.com/office/drawing/2014/main" id="{25DE0B72-D279-42A1-4959-C20289679776}"/>
-              </a:ext>
-            </a:extLst>
-          </p:cNvPr>
-          <p:cNvSpPr txBox="1"/>
-          <p:nvPr/>
-        </p:nvSpPr>
-        <p:spPr>
-          <a:xfrm rot="16200000">
-            <a:off x="-111484" y="3929820"/>
-            <a:ext cx="559770" cy="338554"/>
-          </a:xfrm>
-          <a:prstGeom prst="rect">
-            <a:avLst/>
-          </a:prstGeom>
-          <a:noFill/>
-        </p:spPr>
-        <p:txBody>
-          <a:bodyPr wrap="none" rtlCol="0">
-            <a:spAutoFit/>
-          </a:bodyPr>
-          <a:lstStyle/>
-          <a:p>
-            <a:pPr algn="ctr"/>
-            <a:r>
-              <a:rPr lang="en-US" sz="1600" dirty="0">
-                <a:latin typeface="Arial" panose="020B0604020202020204" pitchFamily="34" charset="0"/>
-                <a:cs typeface="Arial" panose="020B0604020202020204" pitchFamily="34" charset="0"/>
-              </a:rPr>
-              <a:t>Low</a:t>
-            </a:r>
-          </a:p>
-        </p:txBody>
-      </p:sp>
-      <p:sp>
-        <p:nvSpPr>
-          <p:cNvPr id="33" name="TextBox 32">
-            <a:extLst>
-              <a:ext uri="{FF2B5EF4-FFF2-40B4-BE49-F238E27FC236}">
-                <a16:creationId xmlns:a16="http://schemas.microsoft.com/office/drawing/2014/main" id="{5F8B854F-7464-A308-E611-F6FF7BD7005E}"/>
-              </a:ext>
-            </a:extLst>
-          </p:cNvPr>
-          <p:cNvSpPr txBox="1"/>
-          <p:nvPr/>
-        </p:nvSpPr>
-        <p:spPr>
-          <a:xfrm rot="16200000">
-            <a:off x="-357544" y="2502749"/>
-            <a:ext cx="1051891" cy="338554"/>
-          </a:xfrm>
-          <a:prstGeom prst="rect">
-            <a:avLst/>
-          </a:prstGeom>
-          <a:noFill/>
-        </p:spPr>
-        <p:txBody>
-          <a:bodyPr wrap="none" rtlCol="0">
-            <a:spAutoFit/>
-          </a:bodyPr>
-          <a:lstStyle/>
-          <a:p>
-            <a:pPr algn="ctr"/>
-            <a:r>
-              <a:rPr lang="en-US" sz="1600" dirty="0">
-                <a:latin typeface="Arial" panose="020B0604020202020204" pitchFamily="34" charset="0"/>
-                <a:cs typeface="Arial" panose="020B0604020202020204" pitchFamily="34" charset="0"/>
-              </a:rPr>
-              <a:t>Moderate</a:t>
-            </a:r>
-          </a:p>
-        </p:txBody>
-      </p:sp>
-      <p:sp>
-        <p:nvSpPr>
-          <p:cNvPr id="34" name="TextBox 33">
-            <a:extLst>
-              <a:ext uri="{FF2B5EF4-FFF2-40B4-BE49-F238E27FC236}">
-                <a16:creationId xmlns:a16="http://schemas.microsoft.com/office/drawing/2014/main" id="{AF909A1D-4E38-C856-481F-240CCD9AD759}"/>
-              </a:ext>
-            </a:extLst>
-          </p:cNvPr>
-          <p:cNvSpPr txBox="1"/>
-          <p:nvPr/>
-        </p:nvSpPr>
-        <p:spPr>
-          <a:xfrm rot="16200000">
-            <a:off x="-113279" y="1053235"/>
-            <a:ext cx="604654" cy="338554"/>
-          </a:xfrm>
-          <a:prstGeom prst="rect">
-            <a:avLst/>
-          </a:prstGeom>
-          <a:noFill/>
-        </p:spPr>
-        <p:txBody>
-          <a:bodyPr wrap="none" rtlCol="0">
-            <a:spAutoFit/>
-          </a:bodyPr>
-          <a:lstStyle/>
-          <a:p>
-            <a:pPr algn="ctr"/>
-            <a:r>
-              <a:rPr lang="en-US" sz="1600" dirty="0">
-                <a:latin typeface="Arial" panose="020B0604020202020204" pitchFamily="34" charset="0"/>
-                <a:cs typeface="Arial" panose="020B0604020202020204" pitchFamily="34" charset="0"/>
-              </a:rPr>
-              <a:t>High</a:t>
-            </a:r>
-          </a:p>
-        </p:txBody>
-      </p:sp>
-      <p:sp>
-        <p:nvSpPr>
           <p:cNvPr id="35" name="Rectangle 34">
             <a:extLst>
               <a:ext uri="{FF2B5EF4-FFF2-40B4-BE49-F238E27FC236}">
@@ -3706,7 +3550,7 @@
         </p:nvSpPr>
         <p:spPr>
           <a:xfrm>
-            <a:off x="3105089" y="327992"/>
+            <a:off x="3503671" y="327992"/>
             <a:ext cx="286531" cy="6024692"/>
           </a:xfrm>
           <a:prstGeom prst="rect">
@@ -3758,7 +3602,7 @@
         </p:nvSpPr>
         <p:spPr>
           <a:xfrm>
-            <a:off x="703592" y="235811"/>
+            <a:off x="1102174" y="235811"/>
             <a:ext cx="2018501" cy="369332"/>
           </a:xfrm>
           <a:prstGeom prst="rect">
@@ -3797,7 +3641,7 @@
         </p:nvSpPr>
         <p:spPr>
           <a:xfrm>
-            <a:off x="3875451" y="230836"/>
+            <a:off x="4274033" y="230836"/>
             <a:ext cx="1697901" cy="369332"/>
           </a:xfrm>
           <a:prstGeom prst="rect">
@@ -3844,7 +3688,7 @@
         </p:blipFill>
         <p:spPr>
           <a:xfrm>
-            <a:off x="4724402" y="3464582"/>
+            <a:off x="5122984" y="3464582"/>
             <a:ext cx="914400" cy="914400"/>
           </a:xfrm>
           <a:prstGeom prst="rect">
@@ -3874,7 +3718,7 @@
         </p:blipFill>
         <p:spPr>
           <a:xfrm>
-            <a:off x="1971261" y="720047"/>
+            <a:off x="2369843" y="720047"/>
             <a:ext cx="914400" cy="914400"/>
           </a:xfrm>
           <a:prstGeom prst="rect">
@@ -3903,7 +3747,7 @@
         </p:blipFill>
         <p:spPr>
           <a:xfrm>
-            <a:off x="4521898" y="626739"/>
+            <a:off x="4920480" y="626739"/>
             <a:ext cx="650181" cy="1533364"/>
           </a:xfrm>
           <a:prstGeom prst="rect">
@@ -3911,6 +3755,433 @@
           </a:prstGeom>
         </p:spPr>
       </p:pic>
+      <p:sp>
+        <p:nvSpPr>
+          <p:cNvPr id="2" name="TextBox 1">
+            <a:extLst>
+              <a:ext uri="{FF2B5EF4-FFF2-40B4-BE49-F238E27FC236}">
+                <a16:creationId xmlns:a16="http://schemas.microsoft.com/office/drawing/2014/main" id="{ADAA710C-8F0E-406B-C60F-99F60BC105E5}"/>
+              </a:ext>
+            </a:extLst>
+          </p:cNvPr>
+          <p:cNvSpPr txBox="1"/>
+          <p:nvPr/>
+        </p:nvSpPr>
+        <p:spPr>
+          <a:xfrm rot="16200000">
+            <a:off x="-149033" y="5197736"/>
+            <a:ext cx="1197764" cy="584775"/>
+          </a:xfrm>
+          <a:prstGeom prst="rect">
+            <a:avLst/>
+          </a:prstGeom>
+          <a:noFill/>
+        </p:spPr>
+        <p:txBody>
+          <a:bodyPr wrap="none" rtlCol="0">
+            <a:spAutoFit/>
+          </a:bodyPr>
+          <a:lstStyle/>
+          <a:p>
+            <a:pPr algn="ctr"/>
+            <a:r>
+              <a:rPr lang="en-US" dirty="0">
+                <a:latin typeface="Arial" panose="020B0604020202020204" pitchFamily="34" charset="0"/>
+                <a:cs typeface="Arial" panose="020B0604020202020204" pitchFamily="34" charset="0"/>
+              </a:rPr>
+              <a:t>Unburned</a:t>
+            </a:r>
+          </a:p>
+          <a:p>
+            <a:pPr algn="ctr"/>
+            <a:r>
+              <a:rPr lang="en-US" sz="1400" dirty="0">
+                <a:latin typeface="Arial" panose="020B0604020202020204" pitchFamily="34" charset="0"/>
+                <a:cs typeface="Arial" panose="020B0604020202020204" pitchFamily="34" charset="0"/>
+              </a:rPr>
+              <a:t>(25</a:t>
+            </a:r>
+            <a:r>
+              <a:rPr lang="en-US" sz="1400" dirty="0">
+                <a:latin typeface="Arial" panose="020B0604020202020204" pitchFamily="34" charset="0"/>
+                <a:ea typeface="Calibri" panose="020F0502020204030204" pitchFamily="34" charset="0"/>
+                <a:cs typeface="Arial" panose="020B0604020202020204" pitchFamily="34" charset="0"/>
+              </a:rPr>
+              <a:t>)</a:t>
+            </a:r>
+            <a:endParaRPr lang="en-US" sz="1400" dirty="0">
+              <a:latin typeface="Arial" panose="020B0604020202020204" pitchFamily="34" charset="0"/>
+              <a:cs typeface="Arial" panose="020B0604020202020204" pitchFamily="34" charset="0"/>
+            </a:endParaRPr>
+          </a:p>
+        </p:txBody>
+      </p:sp>
+      <p:sp>
+        <p:nvSpPr>
+          <p:cNvPr id="3" name="TextBox 2">
+            <a:extLst>
+              <a:ext uri="{FF2B5EF4-FFF2-40B4-BE49-F238E27FC236}">
+                <a16:creationId xmlns:a16="http://schemas.microsoft.com/office/drawing/2014/main" id="{90F5F6C7-81A5-9A04-672A-C270C72202D2}"/>
+              </a:ext>
+            </a:extLst>
+          </p:cNvPr>
+          <p:cNvSpPr txBox="1"/>
+          <p:nvPr/>
+        </p:nvSpPr>
+        <p:spPr>
+          <a:xfrm rot="16200000">
+            <a:off x="-29610" y="3779208"/>
+            <a:ext cx="958917" cy="584775"/>
+          </a:xfrm>
+          <a:prstGeom prst="rect">
+            <a:avLst/>
+          </a:prstGeom>
+          <a:noFill/>
+        </p:spPr>
+        <p:txBody>
+          <a:bodyPr wrap="none" rtlCol="0">
+            <a:spAutoFit/>
+          </a:bodyPr>
+          <a:lstStyle/>
+          <a:p>
+            <a:pPr algn="ctr"/>
+            <a:r>
+              <a:rPr lang="en-US" dirty="0">
+                <a:latin typeface="Arial" panose="020B0604020202020204" pitchFamily="34" charset="0"/>
+                <a:cs typeface="Arial" panose="020B0604020202020204" pitchFamily="34" charset="0"/>
+              </a:rPr>
+              <a:t>Low</a:t>
+            </a:r>
+          </a:p>
+          <a:p>
+            <a:pPr algn="ctr"/>
+            <a:r>
+              <a:rPr lang="en-US" sz="1400" dirty="0">
+                <a:latin typeface="Arial" panose="020B0604020202020204" pitchFamily="34" charset="0"/>
+                <a:cs typeface="Arial" panose="020B0604020202020204" pitchFamily="34" charset="0"/>
+              </a:rPr>
+              <a:t>(295-627</a:t>
+            </a:r>
+            <a:r>
+              <a:rPr lang="en-US" sz="1400" dirty="0">
+                <a:latin typeface="Arial" panose="020B0604020202020204" pitchFamily="34" charset="0"/>
+                <a:ea typeface="Calibri" panose="020F0502020204030204" pitchFamily="34" charset="0"/>
+                <a:cs typeface="Arial" panose="020B0604020202020204" pitchFamily="34" charset="0"/>
+              </a:rPr>
+              <a:t>)</a:t>
+            </a:r>
+            <a:endParaRPr lang="en-US" sz="1400" dirty="0">
+              <a:latin typeface="Arial" panose="020B0604020202020204" pitchFamily="34" charset="0"/>
+              <a:cs typeface="Arial" panose="020B0604020202020204" pitchFamily="34" charset="0"/>
+            </a:endParaRPr>
+          </a:p>
+        </p:txBody>
+      </p:sp>
+      <p:sp>
+        <p:nvSpPr>
+          <p:cNvPr id="4" name="TextBox 3">
+            <a:extLst>
+              <a:ext uri="{FF2B5EF4-FFF2-40B4-BE49-F238E27FC236}">
+                <a16:creationId xmlns:a16="http://schemas.microsoft.com/office/drawing/2014/main" id="{FEF96911-A822-3852-B007-87D275164CE6}"/>
+              </a:ext>
+            </a:extLst>
+          </p:cNvPr>
+          <p:cNvSpPr txBox="1"/>
+          <p:nvPr/>
+        </p:nvSpPr>
+        <p:spPr>
+          <a:xfrm rot="16200000">
+            <a:off x="-129797" y="2379916"/>
+            <a:ext cx="1159292" cy="584775"/>
+          </a:xfrm>
+          <a:prstGeom prst="rect">
+            <a:avLst/>
+          </a:prstGeom>
+          <a:noFill/>
+        </p:spPr>
+        <p:txBody>
+          <a:bodyPr wrap="none" rtlCol="0">
+            <a:spAutoFit/>
+          </a:bodyPr>
+          <a:lstStyle/>
+          <a:p>
+            <a:pPr algn="ctr"/>
+            <a:r>
+              <a:rPr lang="en-US" dirty="0">
+                <a:latin typeface="Arial" panose="020B0604020202020204" pitchFamily="34" charset="0"/>
+                <a:cs typeface="Arial" panose="020B0604020202020204" pitchFamily="34" charset="0"/>
+              </a:rPr>
+              <a:t>Moderate</a:t>
+            </a:r>
+          </a:p>
+          <a:p>
+            <a:pPr algn="ctr"/>
+            <a:r>
+              <a:rPr lang="en-US" sz="1400" dirty="0">
+                <a:latin typeface="Arial" panose="020B0604020202020204" pitchFamily="34" charset="0"/>
+                <a:cs typeface="Arial" panose="020B0604020202020204" pitchFamily="34" charset="0"/>
+              </a:rPr>
+              <a:t>(589-757</a:t>
+            </a:r>
+            <a:r>
+              <a:rPr lang="en-US" sz="1400" dirty="0">
+                <a:latin typeface="Arial" panose="020B0604020202020204" pitchFamily="34" charset="0"/>
+                <a:ea typeface="Calibri" panose="020F0502020204030204" pitchFamily="34" charset="0"/>
+                <a:cs typeface="Arial" panose="020B0604020202020204" pitchFamily="34" charset="0"/>
+              </a:rPr>
+              <a:t>)</a:t>
+            </a:r>
+            <a:endParaRPr lang="en-US" sz="1400" dirty="0">
+              <a:latin typeface="Arial" panose="020B0604020202020204" pitchFamily="34" charset="0"/>
+              <a:cs typeface="Arial" panose="020B0604020202020204" pitchFamily="34" charset="0"/>
+            </a:endParaRPr>
+          </a:p>
+        </p:txBody>
+      </p:sp>
+      <p:sp>
+        <p:nvSpPr>
+          <p:cNvPr id="6" name="TextBox 5">
+            <a:extLst>
+              <a:ext uri="{FF2B5EF4-FFF2-40B4-BE49-F238E27FC236}">
+                <a16:creationId xmlns:a16="http://schemas.microsoft.com/office/drawing/2014/main" id="{EA8C4810-EC45-8BC0-DDF5-69BD72C5B8B0}"/>
+              </a:ext>
+            </a:extLst>
+          </p:cNvPr>
+          <p:cNvSpPr txBox="1"/>
+          <p:nvPr/>
+        </p:nvSpPr>
+        <p:spPr>
+          <a:xfrm rot="16200000">
+            <a:off x="-21660" y="980625"/>
+            <a:ext cx="958917" cy="584775"/>
+          </a:xfrm>
+          <a:prstGeom prst="rect">
+            <a:avLst/>
+          </a:prstGeom>
+          <a:noFill/>
+        </p:spPr>
+        <p:txBody>
+          <a:bodyPr wrap="none" rtlCol="0">
+            <a:spAutoFit/>
+          </a:bodyPr>
+          <a:lstStyle/>
+          <a:p>
+            <a:pPr algn="ctr"/>
+            <a:r>
+              <a:rPr lang="en-US" dirty="0">
+                <a:latin typeface="Arial" panose="020B0604020202020204" pitchFamily="34" charset="0"/>
+                <a:cs typeface="Arial" panose="020B0604020202020204" pitchFamily="34" charset="0"/>
+              </a:rPr>
+              <a:t>High</a:t>
+            </a:r>
+          </a:p>
+          <a:p>
+            <a:pPr algn="ctr"/>
+            <a:r>
+              <a:rPr lang="en-US" sz="1400" dirty="0">
+                <a:latin typeface="Arial" panose="020B0604020202020204" pitchFamily="34" charset="0"/>
+                <a:cs typeface="Arial" panose="020B0604020202020204" pitchFamily="34" charset="0"/>
+              </a:rPr>
+              <a:t>(589-757</a:t>
+            </a:r>
+            <a:r>
+              <a:rPr lang="en-US" sz="1400" dirty="0">
+                <a:latin typeface="Arial" panose="020B0604020202020204" pitchFamily="34" charset="0"/>
+                <a:ea typeface="Calibri" panose="020F0502020204030204" pitchFamily="34" charset="0"/>
+                <a:cs typeface="Arial" panose="020B0604020202020204" pitchFamily="34" charset="0"/>
+              </a:rPr>
+              <a:t>)</a:t>
+            </a:r>
+            <a:endParaRPr lang="en-US" sz="1400" dirty="0">
+              <a:latin typeface="Arial" panose="020B0604020202020204" pitchFamily="34" charset="0"/>
+              <a:cs typeface="Arial" panose="020B0604020202020204" pitchFamily="34" charset="0"/>
+            </a:endParaRPr>
+          </a:p>
+        </p:txBody>
+      </p:sp>
+      <p:sp>
+        <p:nvSpPr>
+          <p:cNvPr id="7" name="TextBox 6">
+            <a:extLst>
+              <a:ext uri="{FF2B5EF4-FFF2-40B4-BE49-F238E27FC236}">
+                <a16:creationId xmlns:a16="http://schemas.microsoft.com/office/drawing/2014/main" id="{DEC4F6D7-CF9A-1D24-D78E-31FB411DD0B3}"/>
+              </a:ext>
+            </a:extLst>
+          </p:cNvPr>
+          <p:cNvSpPr txBox="1"/>
+          <p:nvPr/>
+        </p:nvSpPr>
+        <p:spPr>
+          <a:xfrm rot="16200000">
+            <a:off x="3219106" y="5197736"/>
+            <a:ext cx="1197764" cy="584775"/>
+          </a:xfrm>
+          <a:prstGeom prst="rect">
+            <a:avLst/>
+          </a:prstGeom>
+          <a:noFill/>
+        </p:spPr>
+        <p:txBody>
+          <a:bodyPr wrap="none" rtlCol="0">
+            <a:spAutoFit/>
+          </a:bodyPr>
+          <a:lstStyle/>
+          <a:p>
+            <a:pPr algn="ctr"/>
+            <a:r>
+              <a:rPr lang="en-US" dirty="0">
+                <a:latin typeface="Arial" panose="020B0604020202020204" pitchFamily="34" charset="0"/>
+                <a:cs typeface="Arial" panose="020B0604020202020204" pitchFamily="34" charset="0"/>
+              </a:rPr>
+              <a:t>Unburned</a:t>
+            </a:r>
+          </a:p>
+          <a:p>
+            <a:pPr algn="ctr"/>
+            <a:r>
+              <a:rPr lang="en-US" sz="1400" dirty="0">
+                <a:latin typeface="Arial" panose="020B0604020202020204" pitchFamily="34" charset="0"/>
+                <a:cs typeface="Arial" panose="020B0604020202020204" pitchFamily="34" charset="0"/>
+              </a:rPr>
+              <a:t>(25</a:t>
+            </a:r>
+            <a:r>
+              <a:rPr lang="en-US" sz="1400" dirty="0">
+                <a:latin typeface="Arial" panose="020B0604020202020204" pitchFamily="34" charset="0"/>
+                <a:ea typeface="Calibri" panose="020F0502020204030204" pitchFamily="34" charset="0"/>
+                <a:cs typeface="Arial" panose="020B0604020202020204" pitchFamily="34" charset="0"/>
+              </a:rPr>
+              <a:t>)</a:t>
+            </a:r>
+            <a:endParaRPr lang="en-US" sz="1400" dirty="0">
+              <a:latin typeface="Arial" panose="020B0604020202020204" pitchFamily="34" charset="0"/>
+              <a:cs typeface="Arial" panose="020B0604020202020204" pitchFamily="34" charset="0"/>
+            </a:endParaRPr>
+          </a:p>
+        </p:txBody>
+      </p:sp>
+      <p:sp>
+        <p:nvSpPr>
+          <p:cNvPr id="8" name="TextBox 7">
+            <a:extLst>
+              <a:ext uri="{FF2B5EF4-FFF2-40B4-BE49-F238E27FC236}">
+                <a16:creationId xmlns:a16="http://schemas.microsoft.com/office/drawing/2014/main" id="{02F7F4FD-E0B6-BDA8-0A72-0CA591394C33}"/>
+              </a:ext>
+            </a:extLst>
+          </p:cNvPr>
+          <p:cNvSpPr txBox="1"/>
+          <p:nvPr/>
+        </p:nvSpPr>
+        <p:spPr>
+          <a:xfrm rot="16200000">
+            <a:off x="3338529" y="3853420"/>
+            <a:ext cx="958917" cy="584775"/>
+          </a:xfrm>
+          <a:prstGeom prst="rect">
+            <a:avLst/>
+          </a:prstGeom>
+          <a:noFill/>
+        </p:spPr>
+        <p:txBody>
+          <a:bodyPr wrap="none" rtlCol="0">
+            <a:spAutoFit/>
+          </a:bodyPr>
+          <a:lstStyle/>
+          <a:p>
+            <a:pPr algn="ctr"/>
+            <a:r>
+              <a:rPr lang="en-US" dirty="0">
+                <a:latin typeface="Arial" panose="020B0604020202020204" pitchFamily="34" charset="0"/>
+                <a:cs typeface="Arial" panose="020B0604020202020204" pitchFamily="34" charset="0"/>
+              </a:rPr>
+              <a:t>Low</a:t>
+            </a:r>
+          </a:p>
+          <a:p>
+            <a:pPr algn="ctr"/>
+            <a:r>
+              <a:rPr lang="en-US" sz="1400" dirty="0">
+                <a:latin typeface="Arial" panose="020B0604020202020204" pitchFamily="34" charset="0"/>
+                <a:cs typeface="Arial" panose="020B0604020202020204" pitchFamily="34" charset="0"/>
+              </a:rPr>
+              <a:t>(308-502</a:t>
+            </a:r>
+            <a:r>
+              <a:rPr lang="en-US" sz="1400" dirty="0">
+                <a:latin typeface="Arial" panose="020B0604020202020204" pitchFamily="34" charset="0"/>
+                <a:ea typeface="Calibri" panose="020F0502020204030204" pitchFamily="34" charset="0"/>
+                <a:cs typeface="Arial" panose="020B0604020202020204" pitchFamily="34" charset="0"/>
+              </a:rPr>
+              <a:t>)</a:t>
+            </a:r>
+            <a:endParaRPr lang="en-US" sz="1400" dirty="0">
+              <a:latin typeface="Arial" panose="020B0604020202020204" pitchFamily="34" charset="0"/>
+              <a:cs typeface="Arial" panose="020B0604020202020204" pitchFamily="34" charset="0"/>
+            </a:endParaRPr>
+          </a:p>
+        </p:txBody>
+      </p:sp>
+      <p:sp>
+        <p:nvSpPr>
+          <p:cNvPr id="10" name="TextBox 9">
+            <a:extLst>
+              <a:ext uri="{FF2B5EF4-FFF2-40B4-BE49-F238E27FC236}">
+                <a16:creationId xmlns:a16="http://schemas.microsoft.com/office/drawing/2014/main" id="{BDD00960-DC2E-F49C-EF3E-CCEE8B69BE1F}"/>
+              </a:ext>
+            </a:extLst>
+          </p:cNvPr>
+          <p:cNvSpPr txBox="1"/>
+          <p:nvPr/>
+        </p:nvSpPr>
+        <p:spPr>
+          <a:xfrm rot="16200000">
+            <a:off x="3238342" y="2305602"/>
+            <a:ext cx="1159292" cy="584775"/>
+          </a:xfrm>
+          <a:prstGeom prst="rect">
+            <a:avLst/>
+          </a:prstGeom>
+          <a:noFill/>
+        </p:spPr>
+        <p:txBody>
+          <a:bodyPr wrap="none" rtlCol="0">
+            <a:spAutoFit/>
+          </a:bodyPr>
+          <a:lstStyle/>
+          <a:p>
+            <a:pPr algn="ctr"/>
+            <a:r>
+              <a:rPr lang="en-US" dirty="0">
+                <a:latin typeface="Arial" panose="020B0604020202020204" pitchFamily="34" charset="0"/>
+                <a:cs typeface="Arial" panose="020B0604020202020204" pitchFamily="34" charset="0"/>
+              </a:rPr>
+              <a:t>Moderate</a:t>
+            </a:r>
+          </a:p>
+          <a:p>
+            <a:pPr algn="ctr"/>
+            <a:r>
+              <a:rPr lang="en-US" sz="1400" dirty="0">
+                <a:latin typeface="Arial" panose="020B0604020202020204" pitchFamily="34" charset="0"/>
+                <a:cs typeface="Arial" panose="020B0604020202020204" pitchFamily="34" charset="0"/>
+              </a:rPr>
+              <a:t>(512-547</a:t>
+            </a:r>
+            <a:r>
+              <a:rPr lang="en-US" sz="1400" dirty="0">
+                <a:latin typeface="Arial" panose="020B0604020202020204" pitchFamily="34" charset="0"/>
+                <a:ea typeface="Calibri" panose="020F0502020204030204" pitchFamily="34" charset="0"/>
+                <a:cs typeface="Arial" panose="020B0604020202020204" pitchFamily="34" charset="0"/>
+              </a:rPr>
+              <a:t>)</a:t>
+            </a:r>
+            <a:endParaRPr lang="en-US" sz="1400" dirty="0">
+              <a:latin typeface="Arial" panose="020B0604020202020204" pitchFamily="34" charset="0"/>
+              <a:cs typeface="Arial" panose="020B0604020202020204" pitchFamily="34" charset="0"/>
+            </a:endParaRPr>
+          </a:p>
+        </p:txBody>
+      </p:sp>
     </p:spTree>
     <p:extLst>
       <p:ext uri="{BB962C8B-B14F-4D97-AF65-F5344CB8AC3E}">

--- a/figures/XANES_Spectra_Pie.pptx
+++ b/figures/XANES_Spectra_Pie.pptx
@@ -259,7 +259,7 @@
           <a:p>
             <a:fld id="{31A7D442-12A5-2043-8F29-7F255976025F}" type="datetimeFigureOut">
               <a:rPr lang="en-US" smtClean="0"/>
-              <a:t>2/2/24</a:t>
+              <a:t>7/4/24</a:t>
             </a:fld>
             <a:endParaRPr lang="en-US"/>
           </a:p>
@@ -457,7 +457,7 @@
           <a:p>
             <a:fld id="{31A7D442-12A5-2043-8F29-7F255976025F}" type="datetimeFigureOut">
               <a:rPr lang="en-US" smtClean="0"/>
-              <a:t>2/2/24</a:t>
+              <a:t>7/4/24</a:t>
             </a:fld>
             <a:endParaRPr lang="en-US"/>
           </a:p>
@@ -665,7 +665,7 @@
           <a:p>
             <a:fld id="{31A7D442-12A5-2043-8F29-7F255976025F}" type="datetimeFigureOut">
               <a:rPr lang="en-US" smtClean="0"/>
-              <a:t>2/2/24</a:t>
+              <a:t>7/4/24</a:t>
             </a:fld>
             <a:endParaRPr lang="en-US"/>
           </a:p>
@@ -863,7 +863,7 @@
           <a:p>
             <a:fld id="{31A7D442-12A5-2043-8F29-7F255976025F}" type="datetimeFigureOut">
               <a:rPr lang="en-US" smtClean="0"/>
-              <a:t>2/2/24</a:t>
+              <a:t>7/4/24</a:t>
             </a:fld>
             <a:endParaRPr lang="en-US"/>
           </a:p>
@@ -1138,7 +1138,7 @@
           <a:p>
             <a:fld id="{31A7D442-12A5-2043-8F29-7F255976025F}" type="datetimeFigureOut">
               <a:rPr lang="en-US" smtClean="0"/>
-              <a:t>2/2/24</a:t>
+              <a:t>7/4/24</a:t>
             </a:fld>
             <a:endParaRPr lang="en-US"/>
           </a:p>
@@ -1403,7 +1403,7 @@
           <a:p>
             <a:fld id="{31A7D442-12A5-2043-8F29-7F255976025F}" type="datetimeFigureOut">
               <a:rPr lang="en-US" smtClean="0"/>
-              <a:t>2/2/24</a:t>
+              <a:t>7/4/24</a:t>
             </a:fld>
             <a:endParaRPr lang="en-US"/>
           </a:p>
@@ -1815,7 +1815,7 @@
           <a:p>
             <a:fld id="{31A7D442-12A5-2043-8F29-7F255976025F}" type="datetimeFigureOut">
               <a:rPr lang="en-US" smtClean="0"/>
-              <a:t>2/2/24</a:t>
+              <a:t>7/4/24</a:t>
             </a:fld>
             <a:endParaRPr lang="en-US"/>
           </a:p>
@@ -1956,7 +1956,7 @@
           <a:p>
             <a:fld id="{31A7D442-12A5-2043-8F29-7F255976025F}" type="datetimeFigureOut">
               <a:rPr lang="en-US" smtClean="0"/>
-              <a:t>2/2/24</a:t>
+              <a:t>7/4/24</a:t>
             </a:fld>
             <a:endParaRPr lang="en-US"/>
           </a:p>
@@ -2069,7 +2069,7 @@
           <a:p>
             <a:fld id="{31A7D442-12A5-2043-8F29-7F255976025F}" type="datetimeFigureOut">
               <a:rPr lang="en-US" smtClean="0"/>
-              <a:t>2/2/24</a:t>
+              <a:t>7/4/24</a:t>
             </a:fld>
             <a:endParaRPr lang="en-US"/>
           </a:p>
@@ -2380,7 +2380,7 @@
           <a:p>
             <a:fld id="{31A7D442-12A5-2043-8F29-7F255976025F}" type="datetimeFigureOut">
               <a:rPr lang="en-US" smtClean="0"/>
-              <a:t>2/2/24</a:t>
+              <a:t>7/4/24</a:t>
             </a:fld>
             <a:endParaRPr lang="en-US"/>
           </a:p>
@@ -2668,7 +2668,7 @@
           <a:p>
             <a:fld id="{31A7D442-12A5-2043-8F29-7F255976025F}" type="datetimeFigureOut">
               <a:rPr lang="en-US" smtClean="0"/>
-              <a:t>2/2/24</a:t>
+              <a:t>7/4/24</a:t>
             </a:fld>
             <a:endParaRPr lang="en-US"/>
           </a:p>
@@ -2909,7 +2909,7 @@
           <a:p>
             <a:fld id="{31A7D442-12A5-2043-8F29-7F255976025F}" type="datetimeFigureOut">
               <a:rPr lang="en-US" smtClean="0"/>
-              <a:t>2/2/24</a:t>
+              <a:t>7/4/24</a:t>
             </a:fld>
             <a:endParaRPr lang="en-US"/>
           </a:p>
@@ -3386,156 +3386,6 @@
           </a:prstGeom>
         </p:spPr>
       </p:pic>
-      <p:pic>
-        <p:nvPicPr>
-          <p:cNvPr id="12" name="Picture 11">
-            <a:extLst>
-              <a:ext uri="{FF2B5EF4-FFF2-40B4-BE49-F238E27FC236}">
-                <a16:creationId xmlns:a16="http://schemas.microsoft.com/office/drawing/2014/main" id="{23AAA45C-1372-31EF-2383-474B6E1C177A}"/>
-              </a:ext>
-            </a:extLst>
-          </p:cNvPr>
-          <p:cNvPicPr>
-            <a:picLocks noChangeAspect="1"/>
-          </p:cNvPicPr>
-          <p:nvPr/>
-        </p:nvPicPr>
-        <p:blipFill>
-          <a:blip r:embed="rId4"/>
-          <a:stretch>
-            <a:fillRect/>
-          </a:stretch>
-        </p:blipFill>
-        <p:spPr>
-          <a:xfrm>
-            <a:off x="2369843" y="4949686"/>
-            <a:ext cx="914400" cy="914400"/>
-          </a:xfrm>
-          <a:prstGeom prst="rect">
-            <a:avLst/>
-          </a:prstGeom>
-        </p:spPr>
-      </p:pic>
-      <p:pic>
-        <p:nvPicPr>
-          <p:cNvPr id="18" name="Picture 17">
-            <a:extLst>
-              <a:ext uri="{FF2B5EF4-FFF2-40B4-BE49-F238E27FC236}">
-                <a16:creationId xmlns:a16="http://schemas.microsoft.com/office/drawing/2014/main" id="{9DF349DC-8E8D-11D3-E8FE-E02287635534}"/>
-              </a:ext>
-            </a:extLst>
-          </p:cNvPr>
-          <p:cNvPicPr>
-            <a:picLocks noChangeAspect="1"/>
-          </p:cNvPicPr>
-          <p:nvPr/>
-        </p:nvPicPr>
-        <p:blipFill>
-          <a:blip r:embed="rId5"/>
-          <a:stretch>
-            <a:fillRect/>
-          </a:stretch>
-        </p:blipFill>
-        <p:spPr>
-          <a:xfrm>
-            <a:off x="2369843" y="3554894"/>
-            <a:ext cx="914400" cy="914400"/>
-          </a:xfrm>
-          <a:prstGeom prst="rect">
-            <a:avLst/>
-          </a:prstGeom>
-        </p:spPr>
-      </p:pic>
-      <p:pic>
-        <p:nvPicPr>
-          <p:cNvPr id="20" name="Picture 19">
-            <a:extLst>
-              <a:ext uri="{FF2B5EF4-FFF2-40B4-BE49-F238E27FC236}">
-                <a16:creationId xmlns:a16="http://schemas.microsoft.com/office/drawing/2014/main" id="{20A27CDA-8082-946E-D35E-8298C04E6E37}"/>
-              </a:ext>
-            </a:extLst>
-          </p:cNvPr>
-          <p:cNvPicPr>
-            <a:picLocks noChangeAspect="1"/>
-          </p:cNvPicPr>
-          <p:nvPr/>
-        </p:nvPicPr>
-        <p:blipFill>
-          <a:blip r:embed="rId6"/>
-          <a:stretch>
-            <a:fillRect/>
-          </a:stretch>
-        </p:blipFill>
-        <p:spPr>
-          <a:xfrm>
-            <a:off x="2369843" y="2160103"/>
-            <a:ext cx="914400" cy="914400"/>
-          </a:xfrm>
-          <a:prstGeom prst="rect">
-            <a:avLst/>
-          </a:prstGeom>
-        </p:spPr>
-      </p:pic>
-      <p:pic>
-        <p:nvPicPr>
-          <p:cNvPr id="24" name="Picture 23">
-            <a:extLst>
-              <a:ext uri="{FF2B5EF4-FFF2-40B4-BE49-F238E27FC236}">
-                <a16:creationId xmlns:a16="http://schemas.microsoft.com/office/drawing/2014/main" id="{D389F20F-8BA0-DA91-275D-C0A9D0D91EA6}"/>
-              </a:ext>
-            </a:extLst>
-          </p:cNvPr>
-          <p:cNvPicPr>
-            <a:picLocks noChangeAspect="1"/>
-          </p:cNvPicPr>
-          <p:nvPr/>
-        </p:nvPicPr>
-        <p:blipFill>
-          <a:blip r:embed="rId7"/>
-          <a:stretch>
-            <a:fillRect/>
-          </a:stretch>
-        </p:blipFill>
-        <p:spPr>
-          <a:xfrm>
-            <a:off x="5122984" y="4949685"/>
-            <a:ext cx="914400" cy="914400"/>
-          </a:xfrm>
-          <a:prstGeom prst="rect">
-            <a:avLst/>
-          </a:prstGeom>
-        </p:spPr>
-      </p:pic>
-      <p:pic>
-        <p:nvPicPr>
-          <p:cNvPr id="28" name="Picture 27">
-            <a:extLst>
-              <a:ext uri="{FF2B5EF4-FFF2-40B4-BE49-F238E27FC236}">
-                <a16:creationId xmlns:a16="http://schemas.microsoft.com/office/drawing/2014/main" id="{69BBBD2E-393C-A8E9-2BA8-D00BE6D08A54}"/>
-              </a:ext>
-            </a:extLst>
-          </p:cNvPr>
-          <p:cNvPicPr>
-            <a:picLocks noChangeAspect="1"/>
-          </p:cNvPicPr>
-          <p:nvPr/>
-        </p:nvPicPr>
-        <p:blipFill>
-          <a:blip r:embed="rId8"/>
-          <a:stretch>
-            <a:fillRect/>
-          </a:stretch>
-        </p:blipFill>
-        <p:spPr>
-          <a:xfrm>
-            <a:off x="5122984" y="2160103"/>
-            <a:ext cx="914400" cy="914400"/>
-          </a:xfrm>
-          <a:prstGeom prst="rect">
-            <a:avLst/>
-          </a:prstGeom>
-        </p:spPr>
-      </p:pic>
       <p:sp>
         <p:nvSpPr>
           <p:cNvPr id="35" name="Rectangle 34">
@@ -3666,95 +3516,6 @@
           </a:p>
         </p:txBody>
       </p:sp>
-      <p:pic>
-        <p:nvPicPr>
-          <p:cNvPr id="5" name="Picture 4">
-            <a:extLst>
-              <a:ext uri="{FF2B5EF4-FFF2-40B4-BE49-F238E27FC236}">
-                <a16:creationId xmlns:a16="http://schemas.microsoft.com/office/drawing/2014/main" id="{CC20CD10-CD2C-C834-87C6-0CBFC9E1299A}"/>
-              </a:ext>
-            </a:extLst>
-          </p:cNvPr>
-          <p:cNvPicPr>
-            <a:picLocks noChangeAspect="1"/>
-          </p:cNvPicPr>
-          <p:nvPr/>
-        </p:nvPicPr>
-        <p:blipFill>
-          <a:blip r:embed="rId9"/>
-          <a:stretch>
-            <a:fillRect/>
-          </a:stretch>
-        </p:blipFill>
-        <p:spPr>
-          <a:xfrm>
-            <a:off x="5122984" y="3464582"/>
-            <a:ext cx="914400" cy="914400"/>
-          </a:xfrm>
-          <a:prstGeom prst="rect">
-            <a:avLst/>
-          </a:prstGeom>
-        </p:spPr>
-      </p:pic>
-      <p:pic>
-        <p:nvPicPr>
-          <p:cNvPr id="9" name="Picture 8">
-            <a:extLst>
-              <a:ext uri="{FF2B5EF4-FFF2-40B4-BE49-F238E27FC236}">
-                <a16:creationId xmlns:a16="http://schemas.microsoft.com/office/drawing/2014/main" id="{44A6AA4E-99DF-A8D1-FE2D-E9B3115A56CD}"/>
-              </a:ext>
-            </a:extLst>
-          </p:cNvPr>
-          <p:cNvPicPr>
-            <a:picLocks noChangeAspect="1"/>
-          </p:cNvPicPr>
-          <p:nvPr/>
-        </p:nvPicPr>
-        <p:blipFill>
-          <a:blip r:embed="rId10"/>
-          <a:stretch>
-            <a:fillRect/>
-          </a:stretch>
-        </p:blipFill>
-        <p:spPr>
-          <a:xfrm>
-            <a:off x="2369843" y="720047"/>
-            <a:ext cx="914400" cy="914400"/>
-          </a:xfrm>
-          <a:prstGeom prst="rect">
-            <a:avLst/>
-          </a:prstGeom>
-        </p:spPr>
-      </p:pic>
-      <p:pic>
-        <p:nvPicPr>
-          <p:cNvPr id="25" name="Picture 24">
-            <a:extLst>
-              <a:ext uri="{FF2B5EF4-FFF2-40B4-BE49-F238E27FC236}">
-                <a16:creationId xmlns:a16="http://schemas.microsoft.com/office/drawing/2014/main" id="{E355D143-07DC-00FF-B152-9F87624899D5}"/>
-              </a:ext>
-            </a:extLst>
-          </p:cNvPr>
-          <p:cNvPicPr>
-            <a:picLocks noChangeAspect="1"/>
-          </p:cNvPicPr>
-          <p:nvPr/>
-        </p:nvPicPr>
-        <p:blipFill rotWithShape="1">
-          <a:blip r:embed="rId11"/>
-          <a:srcRect l="66221" t="14930" r="15743"/>
-          <a:stretch/>
-        </p:blipFill>
-        <p:spPr>
-          <a:xfrm>
-            <a:off x="4920480" y="626739"/>
-            <a:ext cx="650181" cy="1533364"/>
-          </a:xfrm>
-          <a:prstGeom prst="rect">
-            <a:avLst/>
-          </a:prstGeom>
-        </p:spPr>
-      </p:pic>
       <p:sp>
         <p:nvSpPr>
           <p:cNvPr id="2" name="TextBox 1">
@@ -3799,7 +3560,19 @@
                 <a:latin typeface="Arial" panose="020B0604020202020204" pitchFamily="34" charset="0"/>
                 <a:cs typeface="Arial" panose="020B0604020202020204" pitchFamily="34" charset="0"/>
               </a:rPr>
-              <a:t>(25</a:t>
+              <a:t>(25 </a:t>
+            </a:r>
+            <a:r>
+              <a:rPr lang="en-US" sz="1400" kern="0" dirty="0">
+                <a:solidFill>
+                  <a:srgbClr val="000000"/>
+                </a:solidFill>
+                <a:effectLst/>
+                <a:latin typeface="Arial" panose="020B0604020202020204" pitchFamily="34" charset="0"/>
+                <a:ea typeface="Times New Roman" panose="02020603050405020304" pitchFamily="18" charset="0"/>
+                <a:cs typeface="Arial" panose="020B0604020202020204" pitchFamily="34" charset="0"/>
+              </a:rPr>
+              <a:t>°C</a:t>
             </a:r>
             <a:r>
               <a:rPr lang="en-US" sz="1400" dirty="0">
@@ -3830,8 +3603,8 @@
         </p:nvSpPr>
         <p:spPr>
           <a:xfrm rot="16200000">
-            <a:off x="-29610" y="3779208"/>
-            <a:ext cx="958917" cy="584775"/>
+            <a:off x="-155445" y="3779208"/>
+            <a:ext cx="1210588" cy="584775"/>
           </a:xfrm>
           <a:prstGeom prst="rect">
             <a:avLst/>
@@ -3860,7 +3633,19 @@
                 <a:latin typeface="Arial" panose="020B0604020202020204" pitchFamily="34" charset="0"/>
                 <a:cs typeface="Arial" panose="020B0604020202020204" pitchFamily="34" charset="0"/>
               </a:rPr>
-              <a:t>(295-627</a:t>
+              <a:t>(295-627 </a:t>
+            </a:r>
+            <a:r>
+              <a:rPr lang="en-US" sz="1400" kern="0" dirty="0">
+                <a:solidFill>
+                  <a:srgbClr val="000000"/>
+                </a:solidFill>
+                <a:effectLst/>
+                <a:latin typeface="Arial" panose="020B0604020202020204" pitchFamily="34" charset="0"/>
+                <a:ea typeface="Times New Roman" panose="02020603050405020304" pitchFamily="18" charset="0"/>
+                <a:cs typeface="Arial" panose="020B0604020202020204" pitchFamily="34" charset="0"/>
+              </a:rPr>
+              <a:t>°C</a:t>
             </a:r>
             <a:r>
               <a:rPr lang="en-US" sz="1400" dirty="0">
@@ -3891,8 +3676,8 @@
         </p:nvSpPr>
         <p:spPr>
           <a:xfrm rot="16200000">
-            <a:off x="-129797" y="2379916"/>
-            <a:ext cx="1159292" cy="584775"/>
+            <a:off x="-155445" y="2379916"/>
+            <a:ext cx="1210588" cy="584775"/>
           </a:xfrm>
           <a:prstGeom prst="rect">
             <a:avLst/>
@@ -3921,7 +3706,19 @@
                 <a:latin typeface="Arial" panose="020B0604020202020204" pitchFamily="34" charset="0"/>
                 <a:cs typeface="Arial" panose="020B0604020202020204" pitchFamily="34" charset="0"/>
               </a:rPr>
-              <a:t>(589-757</a:t>
+              <a:t>(589-757 </a:t>
+            </a:r>
+            <a:r>
+              <a:rPr lang="en-US" sz="1400" kern="0" dirty="0">
+                <a:solidFill>
+                  <a:srgbClr val="000000"/>
+                </a:solidFill>
+                <a:effectLst/>
+                <a:latin typeface="Arial" panose="020B0604020202020204" pitchFamily="34" charset="0"/>
+                <a:ea typeface="Times New Roman" panose="02020603050405020304" pitchFamily="18" charset="0"/>
+                <a:cs typeface="Arial" panose="020B0604020202020204" pitchFamily="34" charset="0"/>
+              </a:rPr>
+              <a:t>°C</a:t>
             </a:r>
             <a:r>
               <a:rPr lang="en-US" sz="1400" dirty="0">
@@ -3952,8 +3749,8 @@
         </p:nvSpPr>
         <p:spPr>
           <a:xfrm rot="16200000">
-            <a:off x="-21660" y="980625"/>
-            <a:ext cx="958917" cy="584775"/>
+            <a:off x="-147495" y="980625"/>
+            <a:ext cx="1210588" cy="584775"/>
           </a:xfrm>
           <a:prstGeom prst="rect">
             <a:avLst/>
@@ -3978,14 +3775,26 @@
           <a:p>
             <a:pPr algn="ctr"/>
             <a:r>
-              <a:rPr lang="en-US" sz="1400" dirty="0">
+              <a:rPr lang="en-US" sz="1400">
                 <a:latin typeface="Arial" panose="020B0604020202020204" pitchFamily="34" charset="0"/>
                 <a:cs typeface="Arial" panose="020B0604020202020204" pitchFamily="34" charset="0"/>
               </a:rPr>
-              <a:t>(589-757</a:t>
-            </a:r>
-            <a:r>
-              <a:rPr lang="en-US" sz="1400" dirty="0">
+              <a:t>(589-757 </a:t>
+            </a:r>
+            <a:r>
+              <a:rPr lang="en-US" sz="1400" kern="0">
+                <a:solidFill>
+                  <a:srgbClr val="000000"/>
+                </a:solidFill>
+                <a:effectLst/>
+                <a:latin typeface="Arial" panose="020B0604020202020204" pitchFamily="34" charset="0"/>
+                <a:ea typeface="Times New Roman" panose="02020603050405020304" pitchFamily="18" charset="0"/>
+                <a:cs typeface="Arial" panose="020B0604020202020204" pitchFamily="34" charset="0"/>
+              </a:rPr>
+              <a:t>°C</a:t>
+            </a:r>
+            <a:r>
+              <a:rPr lang="en-US" sz="1400">
                 <a:latin typeface="Arial" panose="020B0604020202020204" pitchFamily="34" charset="0"/>
                 <a:ea typeface="Calibri" panose="020F0502020204030204" pitchFamily="34" charset="0"/>
                 <a:cs typeface="Arial" panose="020B0604020202020204" pitchFamily="34" charset="0"/>
@@ -4182,6 +3991,287 @@
           </a:p>
         </p:txBody>
       </p:sp>
+      <p:grpSp>
+        <p:nvGrpSpPr>
+          <p:cNvPr id="60" name="Group 59">
+            <a:extLst>
+              <a:ext uri="{FF2B5EF4-FFF2-40B4-BE49-F238E27FC236}">
+                <a16:creationId xmlns:a16="http://schemas.microsoft.com/office/drawing/2014/main" id="{5EC473F9-DD96-DF07-8989-3E7B76F62FD6}"/>
+              </a:ext>
+            </a:extLst>
+          </p:cNvPr>
+          <p:cNvGrpSpPr/>
+          <p:nvPr/>
+        </p:nvGrpSpPr>
+        <p:grpSpPr>
+          <a:xfrm>
+            <a:off x="5189408" y="2244515"/>
+            <a:ext cx="914400" cy="3682882"/>
+            <a:chOff x="5189408" y="2186640"/>
+            <a:chExt cx="914400" cy="3682882"/>
+          </a:xfrm>
+        </p:grpSpPr>
+        <p:pic>
+          <p:nvPicPr>
+            <p:cNvPr id="21" name="Picture 20">
+              <a:extLst>
+                <a:ext uri="{FF2B5EF4-FFF2-40B4-BE49-F238E27FC236}">
+                  <a16:creationId xmlns:a16="http://schemas.microsoft.com/office/drawing/2014/main" id="{4AC6210F-BE2D-8BC6-C679-532809367C5D}"/>
+                </a:ext>
+              </a:extLst>
+            </p:cNvPr>
+            <p:cNvPicPr>
+              <a:picLocks noChangeAspect="1"/>
+            </p:cNvPicPr>
+            <p:nvPr/>
+          </p:nvPicPr>
+          <p:blipFill>
+            <a:blip r:embed="rId4"/>
+            <a:stretch>
+              <a:fillRect/>
+            </a:stretch>
+          </p:blipFill>
+          <p:spPr>
+            <a:xfrm>
+              <a:off x="5189408" y="4955122"/>
+              <a:ext cx="914400" cy="914400"/>
+            </a:xfrm>
+            <a:prstGeom prst="rect">
+              <a:avLst/>
+            </a:prstGeom>
+          </p:spPr>
+        </p:pic>
+        <p:pic>
+          <p:nvPicPr>
+            <p:cNvPr id="45" name="Picture 44">
+              <a:extLst>
+                <a:ext uri="{FF2B5EF4-FFF2-40B4-BE49-F238E27FC236}">
+                  <a16:creationId xmlns:a16="http://schemas.microsoft.com/office/drawing/2014/main" id="{561C0D4A-8F9E-C653-7762-E145AB55EBA3}"/>
+                </a:ext>
+              </a:extLst>
+            </p:cNvPr>
+            <p:cNvPicPr>
+              <a:picLocks noChangeAspect="1"/>
+            </p:cNvPicPr>
+            <p:nvPr/>
+          </p:nvPicPr>
+          <p:blipFill>
+            <a:blip r:embed="rId5"/>
+            <a:stretch>
+              <a:fillRect/>
+            </a:stretch>
+          </p:blipFill>
+          <p:spPr>
+            <a:xfrm>
+              <a:off x="5189408" y="2186640"/>
+              <a:ext cx="914400" cy="914400"/>
+            </a:xfrm>
+            <a:prstGeom prst="rect">
+              <a:avLst/>
+            </a:prstGeom>
+          </p:spPr>
+        </p:pic>
+        <p:pic>
+          <p:nvPicPr>
+            <p:cNvPr id="47" name="Picture 46">
+              <a:extLst>
+                <a:ext uri="{FF2B5EF4-FFF2-40B4-BE49-F238E27FC236}">
+                  <a16:creationId xmlns:a16="http://schemas.microsoft.com/office/drawing/2014/main" id="{EC469618-453B-BE50-AEED-D8E47CBABB3A}"/>
+                </a:ext>
+              </a:extLst>
+            </p:cNvPr>
+            <p:cNvPicPr>
+              <a:picLocks noChangeAspect="1"/>
+            </p:cNvPicPr>
+            <p:nvPr/>
+          </p:nvPicPr>
+          <p:blipFill>
+            <a:blip r:embed="rId6"/>
+            <a:stretch>
+              <a:fillRect/>
+            </a:stretch>
+          </p:blipFill>
+          <p:spPr>
+            <a:xfrm>
+              <a:off x="5189408" y="3570881"/>
+              <a:ext cx="914400" cy="914400"/>
+            </a:xfrm>
+            <a:prstGeom prst="rect">
+              <a:avLst/>
+            </a:prstGeom>
+          </p:spPr>
+        </p:pic>
+      </p:grpSp>
+      <p:grpSp>
+        <p:nvGrpSpPr>
+          <p:cNvPr id="61" name="Group 60">
+            <a:extLst>
+              <a:ext uri="{FF2B5EF4-FFF2-40B4-BE49-F238E27FC236}">
+                <a16:creationId xmlns:a16="http://schemas.microsoft.com/office/drawing/2014/main" id="{EC7AD36D-53FB-AE9C-897E-5238DAC93C58}"/>
+              </a:ext>
+            </a:extLst>
+          </p:cNvPr>
+          <p:cNvGrpSpPr/>
+          <p:nvPr/>
+        </p:nvGrpSpPr>
+        <p:grpSpPr>
+          <a:xfrm>
+            <a:off x="2406853" y="875316"/>
+            <a:ext cx="914400" cy="5046644"/>
+            <a:chOff x="2406853" y="817441"/>
+            <a:chExt cx="914400" cy="5046644"/>
+          </a:xfrm>
+        </p:grpSpPr>
+        <p:pic>
+          <p:nvPicPr>
+            <p:cNvPr id="34" name="Picture 33">
+              <a:extLst>
+                <a:ext uri="{FF2B5EF4-FFF2-40B4-BE49-F238E27FC236}">
+                  <a16:creationId xmlns:a16="http://schemas.microsoft.com/office/drawing/2014/main" id="{C025D9A6-F95E-E309-90A9-AABD69687C54}"/>
+                </a:ext>
+              </a:extLst>
+            </p:cNvPr>
+            <p:cNvPicPr>
+              <a:picLocks noChangeAspect="1"/>
+            </p:cNvPicPr>
+            <p:nvPr/>
+          </p:nvPicPr>
+          <p:blipFill>
+            <a:blip r:embed="rId7"/>
+            <a:stretch>
+              <a:fillRect/>
+            </a:stretch>
+          </p:blipFill>
+          <p:spPr>
+            <a:xfrm>
+              <a:off x="2406853" y="4949685"/>
+              <a:ext cx="914400" cy="914400"/>
+            </a:xfrm>
+            <a:prstGeom prst="rect">
+              <a:avLst/>
+            </a:prstGeom>
+          </p:spPr>
+        </p:pic>
+        <p:pic>
+          <p:nvPicPr>
+            <p:cNvPr id="51" name="Picture 50">
+              <a:extLst>
+                <a:ext uri="{FF2B5EF4-FFF2-40B4-BE49-F238E27FC236}">
+                  <a16:creationId xmlns:a16="http://schemas.microsoft.com/office/drawing/2014/main" id="{E98DEDBA-9845-2F44-2600-C8D99BA9DE44}"/>
+                </a:ext>
+              </a:extLst>
+            </p:cNvPr>
+            <p:cNvPicPr>
+              <a:picLocks noChangeAspect="1"/>
+            </p:cNvPicPr>
+            <p:nvPr/>
+          </p:nvPicPr>
+          <p:blipFill>
+            <a:blip r:embed="rId8"/>
+            <a:stretch>
+              <a:fillRect/>
+            </a:stretch>
+          </p:blipFill>
+          <p:spPr>
+            <a:xfrm>
+              <a:off x="2406853" y="817441"/>
+              <a:ext cx="914400" cy="914400"/>
+            </a:xfrm>
+            <a:prstGeom prst="rect">
+              <a:avLst/>
+            </a:prstGeom>
+          </p:spPr>
+        </p:pic>
+        <p:pic>
+          <p:nvPicPr>
+            <p:cNvPr id="53" name="Picture 52">
+              <a:extLst>
+                <a:ext uri="{FF2B5EF4-FFF2-40B4-BE49-F238E27FC236}">
+                  <a16:creationId xmlns:a16="http://schemas.microsoft.com/office/drawing/2014/main" id="{2ACFCCD7-5E7D-554C-EB94-BA650CA59CD5}"/>
+                </a:ext>
+              </a:extLst>
+            </p:cNvPr>
+            <p:cNvPicPr>
+              <a:picLocks noChangeAspect="1"/>
+            </p:cNvPicPr>
+            <p:nvPr/>
+          </p:nvPicPr>
+          <p:blipFill>
+            <a:blip r:embed="rId9"/>
+            <a:stretch>
+              <a:fillRect/>
+            </a:stretch>
+          </p:blipFill>
+          <p:spPr>
+            <a:xfrm>
+              <a:off x="2406853" y="2194856"/>
+              <a:ext cx="914400" cy="914400"/>
+            </a:xfrm>
+            <a:prstGeom prst="rect">
+              <a:avLst/>
+            </a:prstGeom>
+          </p:spPr>
+        </p:pic>
+        <p:pic>
+          <p:nvPicPr>
+            <p:cNvPr id="55" name="Picture 54">
+              <a:extLst>
+                <a:ext uri="{FF2B5EF4-FFF2-40B4-BE49-F238E27FC236}">
+                  <a16:creationId xmlns:a16="http://schemas.microsoft.com/office/drawing/2014/main" id="{9233FB5D-A9B1-8FF0-35DD-1AC4B76C1F1C}"/>
+                </a:ext>
+              </a:extLst>
+            </p:cNvPr>
+            <p:cNvPicPr>
+              <a:picLocks noChangeAspect="1"/>
+            </p:cNvPicPr>
+            <p:nvPr/>
+          </p:nvPicPr>
+          <p:blipFill>
+            <a:blip r:embed="rId10"/>
+            <a:stretch>
+              <a:fillRect/>
+            </a:stretch>
+          </p:blipFill>
+          <p:spPr>
+            <a:xfrm>
+              <a:off x="2406853" y="3572271"/>
+              <a:ext cx="914400" cy="914400"/>
+            </a:xfrm>
+            <a:prstGeom prst="rect">
+              <a:avLst/>
+            </a:prstGeom>
+          </p:spPr>
+        </p:pic>
+      </p:grpSp>
+      <p:pic>
+        <p:nvPicPr>
+          <p:cNvPr id="59" name="Picture 58">
+            <a:extLst>
+              <a:ext uri="{FF2B5EF4-FFF2-40B4-BE49-F238E27FC236}">
+                <a16:creationId xmlns:a16="http://schemas.microsoft.com/office/drawing/2014/main" id="{F2B07D2C-B38C-88F0-3B1D-6E933A55FD80}"/>
+              </a:ext>
+            </a:extLst>
+          </p:cNvPr>
+          <p:cNvPicPr>
+            <a:picLocks noChangeAspect="1"/>
+          </p:cNvPicPr>
+          <p:nvPr/>
+        </p:nvPicPr>
+        <p:blipFill rotWithShape="1">
+          <a:blip r:embed="rId11"/>
+          <a:srcRect l="66156"/>
+          <a:stretch/>
+        </p:blipFill>
+        <p:spPr>
+          <a:xfrm>
+            <a:off x="5381687" y="206339"/>
+            <a:ext cx="1414147" cy="2089230"/>
+          </a:xfrm>
+          <a:prstGeom prst="rect">
+            <a:avLst/>
+          </a:prstGeom>
+        </p:spPr>
+      </p:pic>
     </p:spTree>
     <p:extLst>
       <p:ext uri="{BB962C8B-B14F-4D97-AF65-F5344CB8AC3E}">

--- a/figures/XANES_Spectra_Pie.pptx
+++ b/figures/XANES_Spectra_Pie.pptx
@@ -259,7 +259,7 @@
           <a:p>
             <a:fld id="{31A7D442-12A5-2043-8F29-7F255976025F}" type="datetimeFigureOut">
               <a:rPr lang="en-US" smtClean="0"/>
-              <a:t>7/4/24</a:t>
+              <a:t>7/10/24</a:t>
             </a:fld>
             <a:endParaRPr lang="en-US"/>
           </a:p>
@@ -457,7 +457,7 @@
           <a:p>
             <a:fld id="{31A7D442-12A5-2043-8F29-7F255976025F}" type="datetimeFigureOut">
               <a:rPr lang="en-US" smtClean="0"/>
-              <a:t>7/4/24</a:t>
+              <a:t>7/10/24</a:t>
             </a:fld>
             <a:endParaRPr lang="en-US"/>
           </a:p>
@@ -665,7 +665,7 @@
           <a:p>
             <a:fld id="{31A7D442-12A5-2043-8F29-7F255976025F}" type="datetimeFigureOut">
               <a:rPr lang="en-US" smtClean="0"/>
-              <a:t>7/4/24</a:t>
+              <a:t>7/10/24</a:t>
             </a:fld>
             <a:endParaRPr lang="en-US"/>
           </a:p>
@@ -863,7 +863,7 @@
           <a:p>
             <a:fld id="{31A7D442-12A5-2043-8F29-7F255976025F}" type="datetimeFigureOut">
               <a:rPr lang="en-US" smtClean="0"/>
-              <a:t>7/4/24</a:t>
+              <a:t>7/10/24</a:t>
             </a:fld>
             <a:endParaRPr lang="en-US"/>
           </a:p>
@@ -1138,7 +1138,7 @@
           <a:p>
             <a:fld id="{31A7D442-12A5-2043-8F29-7F255976025F}" type="datetimeFigureOut">
               <a:rPr lang="en-US" smtClean="0"/>
-              <a:t>7/4/24</a:t>
+              <a:t>7/10/24</a:t>
             </a:fld>
             <a:endParaRPr lang="en-US"/>
           </a:p>
@@ -1403,7 +1403,7 @@
           <a:p>
             <a:fld id="{31A7D442-12A5-2043-8F29-7F255976025F}" type="datetimeFigureOut">
               <a:rPr lang="en-US" smtClean="0"/>
-              <a:t>7/4/24</a:t>
+              <a:t>7/10/24</a:t>
             </a:fld>
             <a:endParaRPr lang="en-US"/>
           </a:p>
@@ -1815,7 +1815,7 @@
           <a:p>
             <a:fld id="{31A7D442-12A5-2043-8F29-7F255976025F}" type="datetimeFigureOut">
               <a:rPr lang="en-US" smtClean="0"/>
-              <a:t>7/4/24</a:t>
+              <a:t>7/10/24</a:t>
             </a:fld>
             <a:endParaRPr lang="en-US"/>
           </a:p>
@@ -1956,7 +1956,7 @@
           <a:p>
             <a:fld id="{31A7D442-12A5-2043-8F29-7F255976025F}" type="datetimeFigureOut">
               <a:rPr lang="en-US" smtClean="0"/>
-              <a:t>7/4/24</a:t>
+              <a:t>7/10/24</a:t>
             </a:fld>
             <a:endParaRPr lang="en-US"/>
           </a:p>
@@ -2069,7 +2069,7 @@
           <a:p>
             <a:fld id="{31A7D442-12A5-2043-8F29-7F255976025F}" type="datetimeFigureOut">
               <a:rPr lang="en-US" smtClean="0"/>
-              <a:t>7/4/24</a:t>
+              <a:t>7/10/24</a:t>
             </a:fld>
             <a:endParaRPr lang="en-US"/>
           </a:p>
@@ -2380,7 +2380,7 @@
           <a:p>
             <a:fld id="{31A7D442-12A5-2043-8F29-7F255976025F}" type="datetimeFigureOut">
               <a:rPr lang="en-US" smtClean="0"/>
-              <a:t>7/4/24</a:t>
+              <a:t>7/10/24</a:t>
             </a:fld>
             <a:endParaRPr lang="en-US"/>
           </a:p>
@@ -2668,7 +2668,7 @@
           <a:p>
             <a:fld id="{31A7D442-12A5-2043-8F29-7F255976025F}" type="datetimeFigureOut">
               <a:rPr lang="en-US" smtClean="0"/>
-              <a:t>7/4/24</a:t>
+              <a:t>7/10/24</a:t>
             </a:fld>
             <a:endParaRPr lang="en-US"/>
           </a:p>
@@ -2909,7 +2909,7 @@
           <a:p>
             <a:fld id="{31A7D442-12A5-2043-8F29-7F255976025F}" type="datetimeFigureOut">
               <a:rPr lang="en-US" smtClean="0"/>
-              <a:t>7/4/24</a:t>
+              <a:t>7/10/24</a:t>
             </a:fld>
             <a:endParaRPr lang="en-US"/>
           </a:p>
@@ -3775,14 +3775,14 @@
           <a:p>
             <a:pPr algn="ctr"/>
             <a:r>
-              <a:rPr lang="en-US" sz="1400">
+              <a:rPr lang="en-US" sz="1400" dirty="0">
                 <a:latin typeface="Arial" panose="020B0604020202020204" pitchFamily="34" charset="0"/>
                 <a:cs typeface="Arial" panose="020B0604020202020204" pitchFamily="34" charset="0"/>
               </a:rPr>
               <a:t>(589-757 </a:t>
             </a:r>
             <a:r>
-              <a:rPr lang="en-US" sz="1400" kern="0">
+              <a:rPr lang="en-US" sz="1400" kern="0" dirty="0">
                 <a:solidFill>
                   <a:srgbClr val="000000"/>
                 </a:solidFill>
@@ -3794,7 +3794,7 @@
               <a:t>°C</a:t>
             </a:r>
             <a:r>
-              <a:rPr lang="en-US" sz="1400">
+              <a:rPr lang="en-US" sz="1400" dirty="0">
                 <a:latin typeface="Arial" panose="020B0604020202020204" pitchFamily="34" charset="0"/>
                 <a:ea typeface="Calibri" panose="020F0502020204030204" pitchFamily="34" charset="0"/>
                 <a:cs typeface="Arial" panose="020B0604020202020204" pitchFamily="34" charset="0"/>
@@ -3852,7 +3852,19 @@
                 <a:latin typeface="Arial" panose="020B0604020202020204" pitchFamily="34" charset="0"/>
                 <a:cs typeface="Arial" panose="020B0604020202020204" pitchFamily="34" charset="0"/>
               </a:rPr>
-              <a:t>(25</a:t>
+              <a:t>(25 </a:t>
+            </a:r>
+            <a:r>
+              <a:rPr lang="en-US" sz="1400" kern="0" dirty="0">
+                <a:solidFill>
+                  <a:srgbClr val="000000"/>
+                </a:solidFill>
+                <a:effectLst/>
+                <a:latin typeface="Arial" panose="020B0604020202020204" pitchFamily="34" charset="0"/>
+                <a:ea typeface="Times New Roman" panose="02020603050405020304" pitchFamily="18" charset="0"/>
+                <a:cs typeface="Arial" panose="020B0604020202020204" pitchFamily="34" charset="0"/>
+              </a:rPr>
+              <a:t>°C</a:t>
             </a:r>
             <a:r>
               <a:rPr lang="en-US" sz="1400" dirty="0">
@@ -3883,8 +3895,8 @@
         </p:nvSpPr>
         <p:spPr>
           <a:xfrm rot="16200000">
-            <a:off x="3338529" y="3853420"/>
-            <a:ext cx="958917" cy="584775"/>
+            <a:off x="3212694" y="3853420"/>
+            <a:ext cx="1210588" cy="584775"/>
           </a:xfrm>
           <a:prstGeom prst="rect">
             <a:avLst/>
@@ -3913,7 +3925,19 @@
                 <a:latin typeface="Arial" panose="020B0604020202020204" pitchFamily="34" charset="0"/>
                 <a:cs typeface="Arial" panose="020B0604020202020204" pitchFamily="34" charset="0"/>
               </a:rPr>
-              <a:t>(308-502</a:t>
+              <a:t>(308-502 </a:t>
+            </a:r>
+            <a:r>
+              <a:rPr lang="en-US" sz="1400" kern="0" dirty="0">
+                <a:solidFill>
+                  <a:srgbClr val="000000"/>
+                </a:solidFill>
+                <a:effectLst/>
+                <a:latin typeface="Arial" panose="020B0604020202020204" pitchFamily="34" charset="0"/>
+                <a:ea typeface="Times New Roman" panose="02020603050405020304" pitchFamily="18" charset="0"/>
+                <a:cs typeface="Arial" panose="020B0604020202020204" pitchFamily="34" charset="0"/>
+              </a:rPr>
+              <a:t>°C</a:t>
             </a:r>
             <a:r>
               <a:rPr lang="en-US" sz="1400" dirty="0">
@@ -3944,8 +3968,8 @@
         </p:nvSpPr>
         <p:spPr>
           <a:xfrm rot="16200000">
-            <a:off x="3238342" y="2305602"/>
-            <a:ext cx="1159292" cy="584775"/>
+            <a:off x="3212694" y="2305602"/>
+            <a:ext cx="1210588" cy="584775"/>
           </a:xfrm>
           <a:prstGeom prst="rect">
             <a:avLst/>
@@ -3974,7 +3998,19 @@
                 <a:latin typeface="Arial" panose="020B0604020202020204" pitchFamily="34" charset="0"/>
                 <a:cs typeface="Arial" panose="020B0604020202020204" pitchFamily="34" charset="0"/>
               </a:rPr>
-              <a:t>(512-547</a:t>
+              <a:t>(512-547 </a:t>
+            </a:r>
+            <a:r>
+              <a:rPr lang="en-US" sz="1400" kern="0" dirty="0">
+                <a:solidFill>
+                  <a:srgbClr val="000000"/>
+                </a:solidFill>
+                <a:effectLst/>
+                <a:latin typeface="Arial" panose="020B0604020202020204" pitchFamily="34" charset="0"/>
+                <a:ea typeface="Times New Roman" panose="02020603050405020304" pitchFamily="18" charset="0"/>
+                <a:cs typeface="Arial" panose="020B0604020202020204" pitchFamily="34" charset="0"/>
+              </a:rPr>
+              <a:t>°C</a:t>
             </a:r>
             <a:r>
               <a:rPr lang="en-US" sz="1400" dirty="0">
